--- a/会议纪要.pptx
+++ b/会议纪要.pptx
@@ -8,11 +8,12 @@
     <p:sldId id="256" r:id="rId3"/>
     <p:sldId id="257" r:id="rId4"/>
     <p:sldId id="258" r:id="rId5"/>
+    <p:sldId id="259" r:id="rId6"/>
   </p:sldIdLst>
   <p:sldSz cx="12192000" cy="6858000"/>
   <p:notesSz cx="6858000" cy="9144000"/>
   <p:custDataLst>
-    <p:tags r:id="rId9"/>
+    <p:tags r:id="rId10"/>
   </p:custDataLst>
   <p:defaultTextStyle>
     <a:defPPr>
@@ -3401,6 +3402,157 @@
 </p:sld>
 </file>
 
+<file path=ppt/slides/slide4.xml><?xml version="1.0" encoding="utf-8"?>
+<p:sld xmlns:a="http://schemas.openxmlformats.org/drawingml/2006/main" xmlns:r="http://schemas.openxmlformats.org/officeDocument/2006/relationships" xmlns:p="http://schemas.openxmlformats.org/presentationml/2006/main">
+  <p:cSld>
+    <p:spTree>
+      <p:nvGrpSpPr>
+        <p:cNvPr id="1" name=""/>
+        <p:cNvGrpSpPr/>
+        <p:nvPr/>
+      </p:nvGrpSpPr>
+      <p:grpSpPr/>
+      <p:sp>
+        <p:nvSpPr>
+          <p:cNvPr id="2" name="标题 1"/>
+          <p:cNvSpPr>
+            <a:spLocks noGrp="1"/>
+          </p:cNvSpPr>
+          <p:nvPr>
+            <p:ph type="title"/>
+          </p:nvPr>
+        </p:nvSpPr>
+        <p:spPr/>
+        <p:txBody>
+          <a:bodyPr/>
+          <a:p>
+            <a:r>
+              <a:rPr lang="zh-CN" altLang="en-US"/>
+              <a:t>第</a:t>
+            </a:r>
+            <a:r>
+              <a:rPr lang="zh-CN" altLang="en-US"/>
+              <a:t>三次</a:t>
+            </a:r>
+            <a:r>
+              <a:rPr lang="zh-CN" altLang="en-US"/>
+              <a:t>小组会议</a:t>
+            </a:r>
+            <a:endParaRPr lang="zh-CN" altLang="en-US"/>
+          </a:p>
+        </p:txBody>
+      </p:sp>
+      <p:sp>
+        <p:nvSpPr>
+          <p:cNvPr id="3" name="内容占位符 2"/>
+          <p:cNvSpPr>
+            <a:spLocks noGrp="1"/>
+          </p:cNvSpPr>
+          <p:nvPr>
+            <p:ph idx="1"/>
+          </p:nvPr>
+        </p:nvSpPr>
+        <p:spPr/>
+        <p:txBody>
+          <a:bodyPr/>
+          <a:p>
+            <a:r>
+              <a:rPr lang="zh-CN" altLang="en-US"/>
+              <a:t>时间：</a:t>
+            </a:r>
+            <a:r>
+              <a:rPr lang="en-US" altLang="zh-CN"/>
+              <a:t> 2022/10/29 </a:t>
+            </a:r>
+            <a:r>
+              <a:rPr lang="zh-CN" altLang="en-US"/>
+              <a:t>下午</a:t>
+            </a:r>
+            <a:r>
+              <a:rPr lang="en-US" altLang="zh-CN"/>
+              <a:t>2</a:t>
+            </a:r>
+            <a:r>
+              <a:rPr lang="zh-CN" altLang="en-US"/>
+              <a:t>：</a:t>
+            </a:r>
+            <a:r>
+              <a:rPr lang="en-US" altLang="zh-CN"/>
+              <a:t>20</a:t>
+            </a:r>
+            <a:endParaRPr lang="en-US" altLang="zh-CN"/>
+          </a:p>
+          <a:p>
+            <a:r>
+              <a:rPr lang="zh-CN" altLang="en-US"/>
+              <a:t>地点</a:t>
+            </a:r>
+            <a:r>
+              <a:rPr lang="en-US" altLang="zh-CN"/>
+              <a:t>: </a:t>
+            </a:r>
+            <a:r>
+              <a:rPr lang="zh-CN" altLang="en-US"/>
+              <a:t>教七</a:t>
+            </a:r>
+            <a:r>
+              <a:rPr lang="en-US" altLang="zh-CN"/>
+              <a:t>1</a:t>
+            </a:r>
+            <a:r>
+              <a:rPr lang="zh-CN" altLang="en-US"/>
+              <a:t>楼走廊休息区</a:t>
+            </a:r>
+            <a:endParaRPr lang="en-US" altLang="zh-CN"/>
+          </a:p>
+          <a:p>
+            <a:r>
+              <a:rPr lang="zh-CN" altLang="en-US"/>
+              <a:t>任务：</a:t>
+            </a:r>
+            <a:r>
+              <a:rPr lang="en-US" altLang="zh-CN"/>
+              <a:t>G07</a:t>
+            </a:r>
+            <a:r>
+              <a:rPr lang="zh-CN" altLang="en-US"/>
+              <a:t>全体人员</a:t>
+            </a:r>
+            <a:endParaRPr lang="zh-CN" altLang="en-US"/>
+          </a:p>
+          <a:p>
+            <a:r>
+              <a:rPr lang="zh-CN" altLang="en-US">
+                <a:sym typeface="+mn-ea"/>
+              </a:rPr>
+              <a:t>事务：</a:t>
+            </a:r>
+            <a:r>
+              <a:rPr lang="zh-CN" altLang="en-US"/>
+              <a:t>讨论了小组今日应该完成的内容和未来短期内的想法，并短暂交换了制作的意见以及与用户代表交换了</a:t>
+            </a:r>
+            <a:r>
+              <a:rPr lang="zh-CN" altLang="en-US"/>
+              <a:t>意见。</a:t>
+            </a:r>
+            <a:endParaRPr lang="zh-CN" altLang="en-US"/>
+          </a:p>
+          <a:p>
+            <a:endParaRPr lang="zh-CN" altLang="en-US"/>
+          </a:p>
+        </p:txBody>
+      </p:sp>
+    </p:spTree>
+    <p:custDataLst>
+      <p:tags r:id="rId1"/>
+    </p:custDataLst>
+  </p:cSld>
+  <p:clrMapOvr>
+    <a:masterClrMapping/>
+  </p:clrMapOvr>
+</p:sld>
+</file>
+
 <file path=ppt/tags/tag1.xml><?xml version="1.0" encoding="utf-8"?>
 <p:tagLst xmlns:p="http://schemas.openxmlformats.org/presentationml/2006/main">
   <p:tag name="KSO_WM_UNIT_HIGHLIGHT" val="0"/>
@@ -4258,7 +4410,16 @@
 
 <file path=ppt/tags/tag68.xml><?xml version="1.0" encoding="utf-8"?>
 <p:tagLst xmlns:p="http://schemas.openxmlformats.org/presentationml/2006/main">
+  <p:tag name="KSO_WM_BEAUTIFY_FLAG" val="#wm#"/>
+  <p:tag name="KSO_WM_TEMPLATE_CATEGORY" val="custom"/>
+  <p:tag name="KSO_WM_TEMPLATE_INDEX" val="20205176"/>
+</p:tagLst>
+</file>
+
+<file path=ppt/tags/tag69.xml><?xml version="1.0" encoding="utf-8"?>
+<p:tagLst xmlns:p="http://schemas.openxmlformats.org/presentationml/2006/main">
   <p:tag name="COMMONDATA" val="eyJoZGlkIjoiN2YzNjBkOTgyNWQ1YTMxYzM3MzMwNWFiODNmOWIzYWMifQ=="/>
+  <p:tag name="KSO_WPP_MARK_KEY" val="d4acf439-e86e-410c-9a9e-e9fce2ae228d"/>
 </p:tagLst>
 </file>
 
